--- a/Language_Study/C/PPT/알고리즘 스터디 - 정렬, 리스트, 자료구조.pptx
+++ b/Language_Study/C/PPT/알고리즘 스터디 - 정렬, 리스트, 자료구조.pptx
@@ -331,7 +331,7 @@
                 </a:solidFill>
               </a:rPr>
               <a:pPr/>
-              <a:t>2021-05-14</a:t>
+              <a:t>2021-05-17</a:t>
             </a:fld>
             <a:endParaRPr lang="ko-KR" altLang="en-US">
               <a:solidFill>
@@ -531,7 +531,7 @@
                 </a:solidFill>
               </a:rPr>
               <a:pPr/>
-              <a:t>2021-05-14</a:t>
+              <a:t>2021-05-17</a:t>
             </a:fld>
             <a:endParaRPr lang="ko-KR" altLang="en-US">
               <a:solidFill>
@@ -741,7 +741,7 @@
                 </a:solidFill>
               </a:rPr>
               <a:pPr/>
-              <a:t>2021-05-14</a:t>
+              <a:t>2021-05-17</a:t>
             </a:fld>
             <a:endParaRPr lang="ko-KR" altLang="en-US">
               <a:solidFill>
@@ -941,7 +941,7 @@
                 </a:solidFill>
               </a:rPr>
               <a:pPr/>
-              <a:t>2021-05-14</a:t>
+              <a:t>2021-05-17</a:t>
             </a:fld>
             <a:endParaRPr lang="ko-KR" altLang="en-US">
               <a:solidFill>
@@ -1218,7 +1218,7 @@
                 </a:solidFill>
               </a:rPr>
               <a:pPr/>
-              <a:t>2021-05-14</a:t>
+              <a:t>2021-05-17</a:t>
             </a:fld>
             <a:endParaRPr lang="ko-KR" altLang="en-US">
               <a:solidFill>
@@ -1479,7 +1479,7 @@
                 </a:solidFill>
               </a:rPr>
               <a:pPr/>
-              <a:t>2021-05-14</a:t>
+              <a:t>2021-05-17</a:t>
             </a:fld>
             <a:endParaRPr lang="ko-KR" altLang="en-US">
               <a:solidFill>
@@ -1875,7 +1875,7 @@
                 </a:solidFill>
               </a:rPr>
               <a:pPr/>
-              <a:t>2021-05-14</a:t>
+              <a:t>2021-05-17</a:t>
             </a:fld>
             <a:endParaRPr lang="ko-KR" altLang="en-US">
               <a:solidFill>
@@ -2024,7 +2024,7 @@
                 </a:solidFill>
               </a:rPr>
               <a:pPr/>
-              <a:t>2021-05-14</a:t>
+              <a:t>2021-05-17</a:t>
             </a:fld>
             <a:endParaRPr lang="ko-KR" altLang="en-US">
               <a:solidFill>
@@ -2151,7 +2151,7 @@
                 </a:solidFill>
               </a:rPr>
               <a:pPr/>
-              <a:t>2021-05-14</a:t>
+              <a:t>2021-05-17</a:t>
             </a:fld>
             <a:endParaRPr lang="ko-KR" altLang="en-US">
               <a:solidFill>
@@ -2458,7 +2458,7 @@
                 </a:solidFill>
               </a:rPr>
               <a:pPr/>
-              <a:t>2021-05-14</a:t>
+              <a:t>2021-05-17</a:t>
             </a:fld>
             <a:endParaRPr lang="ko-KR" altLang="en-US">
               <a:solidFill>
@@ -2742,7 +2742,7 @@
                 </a:solidFill>
               </a:rPr>
               <a:pPr/>
-              <a:t>2021-05-14</a:t>
+              <a:t>2021-05-17</a:t>
             </a:fld>
             <a:endParaRPr lang="ko-KR" altLang="en-US">
               <a:solidFill>
@@ -2985,7 +2985,7 @@
                 </a:solidFill>
               </a:rPr>
               <a:pPr/>
-              <a:t>2021-05-14</a:t>
+              <a:t>2021-05-17</a:t>
             </a:fld>
             <a:endParaRPr lang="ko-KR" altLang="en-US">
               <a:solidFill>
@@ -5134,8 +5134,8 @@
           </p:txBody>
         </p:sp>
       </p:grpSp>
-      <mc:AlternateContent xmlns:mc="http://schemas.openxmlformats.org/markup-compatibility/2006">
-        <mc:Choice xmlns:a14="http://schemas.microsoft.com/office/drawing/2010/main" Requires="a14">
+      <mc:AlternateContent xmlns:mc="http://schemas.openxmlformats.org/markup-compatibility/2006" xmlns:a14="http://schemas.microsoft.com/office/drawing/2010/main">
+        <mc:Choice Requires="a14">
           <p:sp>
             <p:nvSpPr>
               <p:cNvPr id="6" name="TextBox 5">
@@ -5384,7 +5384,7 @@
             </p:txBody>
           </p:sp>
         </mc:Choice>
-        <mc:Fallback>
+        <mc:Fallback xmlns="">
           <p:sp>
             <p:nvSpPr>
               <p:cNvPr id="6" name="TextBox 5">
@@ -6301,6 +6301,16 @@
           <a:prstGeom prst="rect">
             <a:avLst/>
           </a:prstGeom>
+          <a:ln>
+            <a:noFill/>
+          </a:ln>
+          <a:effectLst>
+            <a:outerShdw blurRad="292100" dist="139700" dir="2700000" algn="tl" rotWithShape="0">
+              <a:srgbClr val="333333">
+                <a:alpha val="65000"/>
+              </a:srgbClr>
+            </a:outerShdw>
+          </a:effectLst>
         </p:spPr>
       </p:pic>
     </p:spTree>
@@ -6449,8 +6459,8 @@
           </p:txBody>
         </p:sp>
       </p:grpSp>
-      <mc:AlternateContent xmlns:mc="http://schemas.openxmlformats.org/markup-compatibility/2006">
-        <mc:Choice xmlns:a14="http://schemas.microsoft.com/office/drawing/2010/main" Requires="a14">
+      <mc:AlternateContent xmlns:mc="http://schemas.openxmlformats.org/markup-compatibility/2006" xmlns:a14="http://schemas.microsoft.com/office/drawing/2010/main">
+        <mc:Choice Requires="a14">
           <p:sp>
             <p:nvSpPr>
               <p:cNvPr id="6" name="TextBox 5">
@@ -6667,7 +6677,7 @@
             </p:txBody>
           </p:sp>
         </mc:Choice>
-        <mc:Fallback>
+        <mc:Fallback xmlns="">
           <p:sp>
             <p:nvSpPr>
               <p:cNvPr id="6" name="TextBox 5">
@@ -8037,6 +8047,16 @@
           <a:prstGeom prst="rect">
             <a:avLst/>
           </a:prstGeom>
+          <a:ln>
+            <a:noFill/>
+          </a:ln>
+          <a:effectLst>
+            <a:outerShdw blurRad="292100" dist="139700" dir="2700000" algn="tl" rotWithShape="0">
+              <a:srgbClr val="333333">
+                <a:alpha val="65000"/>
+              </a:srgbClr>
+            </a:outerShdw>
+          </a:effectLst>
         </p:spPr>
       </p:pic>
     </p:spTree>
@@ -8185,8 +8205,8 @@
           </p:txBody>
         </p:sp>
       </p:grpSp>
-      <mc:AlternateContent xmlns:mc="http://schemas.openxmlformats.org/markup-compatibility/2006">
-        <mc:Choice xmlns:a14="http://schemas.microsoft.com/office/drawing/2010/main" Requires="a14">
+      <mc:AlternateContent xmlns:mc="http://schemas.openxmlformats.org/markup-compatibility/2006" xmlns:a14="http://schemas.microsoft.com/office/drawing/2010/main">
+        <mc:Choice Requires="a14">
           <p:sp>
             <p:nvSpPr>
               <p:cNvPr id="6" name="TextBox 5">
@@ -8435,7 +8455,7 @@
             </p:txBody>
           </p:sp>
         </mc:Choice>
-        <mc:Fallback>
+        <mc:Fallback xmlns="">
           <p:sp>
             <p:nvSpPr>
               <p:cNvPr id="6" name="TextBox 5">
@@ -11640,10 +11660,10 @@
       </p:grpSp>
       <p:pic>
         <p:nvPicPr>
-          <p:cNvPr id="4" name="그림 3" descr="텍스트이(가) 표시된 사진&#10;&#10;자동 생성된 설명">
+          <p:cNvPr id="8" name="그림 7" descr="텍스트이(가) 표시된 사진&#10;&#10;자동 생성된 설명">
             <a:extLst>
               <a:ext uri="{FF2B5EF4-FFF2-40B4-BE49-F238E27FC236}">
-                <a16:creationId xmlns:a16="http://schemas.microsoft.com/office/drawing/2014/main" id="{0DEA5CE4-4851-4D4C-AFF5-9B4744DF3629}"/>
+                <a16:creationId xmlns:a16="http://schemas.microsoft.com/office/drawing/2014/main" id="{3192AB90-E296-4C0F-BF13-318757E397FA}"/>
               </a:ext>
             </a:extLst>
           </p:cNvPr>
@@ -11666,12 +11686,22 @@
         </p:blipFill>
         <p:spPr>
           <a:xfrm>
-            <a:off x="383944" y="1533260"/>
-            <a:ext cx="4934639" cy="3791479"/>
+            <a:off x="400553" y="1284557"/>
+            <a:ext cx="4696480" cy="4934639"/>
           </a:xfrm>
           <a:prstGeom prst="rect">
             <a:avLst/>
           </a:prstGeom>
+          <a:ln>
+            <a:noFill/>
+          </a:ln>
+          <a:effectLst>
+            <a:outerShdw blurRad="292100" dist="139700" dir="2700000" algn="tl" rotWithShape="0">
+              <a:srgbClr val="333333">
+                <a:alpha val="65000"/>
+              </a:srgbClr>
+            </a:outerShdw>
+          </a:effectLst>
         </p:spPr>
       </p:pic>
     </p:spTree>
@@ -12297,8 +12327,8 @@
           </p:txBody>
         </p:sp>
       </p:grpSp>
-      <mc:AlternateContent xmlns:mc="http://schemas.openxmlformats.org/markup-compatibility/2006">
-        <mc:Choice xmlns:a14="http://schemas.microsoft.com/office/drawing/2010/main" Requires="a14">
+      <mc:AlternateContent xmlns:mc="http://schemas.openxmlformats.org/markup-compatibility/2006" xmlns:a14="http://schemas.microsoft.com/office/drawing/2010/main">
+        <mc:Choice Requires="a14">
           <p:sp>
             <p:nvSpPr>
               <p:cNvPr id="6" name="TextBox 5">
@@ -12489,7 +12519,7 @@
             </p:txBody>
           </p:sp>
         </mc:Choice>
-        <mc:Fallback>
+        <mc:Fallback xmlns="">
           <p:sp>
             <p:nvSpPr>
               <p:cNvPr id="6" name="TextBox 5">
@@ -12854,8 +12884,8 @@
           </p:txBody>
         </p:sp>
       </p:grpSp>
-      <mc:AlternateContent xmlns:mc="http://schemas.openxmlformats.org/markup-compatibility/2006">
-        <mc:Choice xmlns:a14="http://schemas.microsoft.com/office/drawing/2010/main" Requires="a14">
+      <mc:AlternateContent xmlns:mc="http://schemas.openxmlformats.org/markup-compatibility/2006" xmlns:a14="http://schemas.microsoft.com/office/drawing/2010/main">
+        <mc:Choice Requires="a14">
           <p:sp>
             <p:nvSpPr>
               <p:cNvPr id="6" name="TextBox 5">
@@ -13135,7 +13165,7 @@
             </p:txBody>
           </p:sp>
         </mc:Choice>
-        <mc:Fallback>
+        <mc:Fallback xmlns="">
           <p:sp>
             <p:nvSpPr>
               <p:cNvPr id="6" name="TextBox 5">
@@ -17574,8 +17604,8 @@
           </p:txBody>
         </p:sp>
       </p:grpSp>
-      <mc:AlternateContent xmlns:mc="http://schemas.openxmlformats.org/markup-compatibility/2006">
-        <mc:Choice xmlns:a14="http://schemas.microsoft.com/office/drawing/2010/main" Requires="a14">
+      <mc:AlternateContent xmlns:mc="http://schemas.openxmlformats.org/markup-compatibility/2006" xmlns:a14="http://schemas.microsoft.com/office/drawing/2010/main">
+        <mc:Choice Requires="a14">
           <p:sp>
             <p:nvSpPr>
               <p:cNvPr id="6" name="TextBox 5">
@@ -17950,7 +17980,7 @@
             </p:txBody>
           </p:sp>
         </mc:Choice>
-        <mc:Fallback>
+        <mc:Fallback xmlns="">
           <p:sp>
             <p:nvSpPr>
               <p:cNvPr id="6" name="TextBox 5">
